--- a/深度学习课程设计.pptx
+++ b/深度学习课程设计.pptx
@@ -6,7 +6,7 @@
     <p:sldMasterId id="2147483672" r:id="rId2"/>
   </p:sldMasterIdLst>
   <p:notesMasterIdLst>
-    <p:notesMasterId r:id="rId31"/>
+    <p:notesMasterId r:id="rId34"/>
   </p:notesMasterIdLst>
   <p:sldIdLst>
     <p:sldId id="256" r:id="rId3"/>
@@ -36,7 +36,10 @@
     <p:sldId id="281" r:id="rId27"/>
     <p:sldId id="282" r:id="rId28"/>
     <p:sldId id="284" r:id="rId29"/>
-    <p:sldId id="285" r:id="rId30"/>
+    <p:sldId id="286" r:id="rId30"/>
+    <p:sldId id="287" r:id="rId31"/>
+    <p:sldId id="288" r:id="rId32"/>
+    <p:sldId id="285" r:id="rId33"/>
   </p:sldIdLst>
   <p:sldSz cx="12192000" cy="6858000"/>
   <p:notesSz cx="6858000" cy="9144000"/>
@@ -225,7 +228,7 @@
           <a:p>
             <a:fld id="{0CE00356-AF89-4DD3-88A3-CEE96CEFFB13}" type="datetimeFigureOut">
               <a:rPr lang="zh-CN" altLang="en-US" smtClean="0"/>
-              <a:t>2025/6/1</a:t>
+              <a:t>2025/6/3</a:t>
             </a:fld>
             <a:endParaRPr lang="zh-CN" altLang="en-US"/>
           </a:p>
@@ -745,7 +748,7 @@
           <a:p>
             <a:fld id="{7D6E844A-F3CA-45F4-8B57-B3A0DC3A9200}" type="datetimeFigureOut">
               <a:rPr lang="zh-CN" altLang="en-US" smtClean="0"/>
-              <a:t>2025/6/1</a:t>
+              <a:t>2025/6/3</a:t>
             </a:fld>
             <a:endParaRPr lang="zh-CN" altLang="en-US"/>
           </a:p>
@@ -1075,7 +1078,7 @@
           <a:p>
             <a:fld id="{7D6E844A-F3CA-45F4-8B57-B3A0DC3A9200}" type="datetimeFigureOut">
               <a:rPr lang="zh-CN" altLang="en-US" smtClean="0"/>
-              <a:t>2025/6/1</a:t>
+              <a:t>2025/6/3</a:t>
             </a:fld>
             <a:endParaRPr lang="zh-CN" altLang="en-US"/>
           </a:p>
@@ -1255,7 +1258,7 @@
           <a:p>
             <a:fld id="{7D6E844A-F3CA-45F4-8B57-B3A0DC3A9200}" type="datetimeFigureOut">
               <a:rPr lang="zh-CN" altLang="en-US" smtClean="0"/>
-              <a:t>2025/6/1</a:t>
+              <a:t>2025/6/3</a:t>
             </a:fld>
             <a:endParaRPr lang="zh-CN" altLang="en-US"/>
           </a:p>
@@ -1477,7 +1480,7 @@
           <a:p>
             <a:fld id="{2E8C10CD-CE84-4E2B-BABD-39448864A424}" type="datetimeFigureOut">
               <a:rPr lang="zh-CN" altLang="en-US" smtClean="0"/>
-              <a:t>2025/6/1</a:t>
+              <a:t>2025/6/3</a:t>
             </a:fld>
             <a:endParaRPr lang="zh-CN" altLang="en-US"/>
           </a:p>
@@ -1802,7 +1805,7 @@
           <a:p>
             <a:fld id="{2E8C10CD-CE84-4E2B-BABD-39448864A424}" type="datetimeFigureOut">
               <a:rPr lang="zh-CN" altLang="en-US" smtClean="0"/>
-              <a:t>2025/6/1</a:t>
+              <a:t>2025/6/3</a:t>
             </a:fld>
             <a:endParaRPr lang="zh-CN" altLang="en-US"/>
           </a:p>
@@ -2198,7 +2201,7 @@
           <a:p>
             <a:fld id="{2E8C10CD-CE84-4E2B-BABD-39448864A424}" type="datetimeFigureOut">
               <a:rPr lang="zh-CN" altLang="en-US" smtClean="0"/>
-              <a:t>2025/6/1</a:t>
+              <a:t>2025/6/3</a:t>
             </a:fld>
             <a:endParaRPr lang="zh-CN" altLang="en-US"/>
           </a:p>
@@ -2592,7 +2595,7 @@
           <a:p>
             <a:fld id="{2E8C10CD-CE84-4E2B-BABD-39448864A424}" type="datetimeFigureOut">
               <a:rPr lang="zh-CN" altLang="en-US" smtClean="0"/>
-              <a:t>2025/6/1</a:t>
+              <a:t>2025/6/3</a:t>
             </a:fld>
             <a:endParaRPr lang="zh-CN" altLang="en-US"/>
           </a:p>
@@ -3069,7 +3072,7 @@
           <a:p>
             <a:fld id="{2E8C10CD-CE84-4E2B-BABD-39448864A424}" type="datetimeFigureOut">
               <a:rPr lang="zh-CN" altLang="en-US" smtClean="0"/>
-              <a:t>2025/6/1</a:t>
+              <a:t>2025/6/3</a:t>
             </a:fld>
             <a:endParaRPr lang="zh-CN" altLang="en-US"/>
           </a:p>
@@ -3187,7 +3190,7 @@
           <a:p>
             <a:fld id="{2E8C10CD-CE84-4E2B-BABD-39448864A424}" type="datetimeFigureOut">
               <a:rPr lang="zh-CN" altLang="en-US" smtClean="0"/>
-              <a:t>2025/6/1</a:t>
+              <a:t>2025/6/3</a:t>
             </a:fld>
             <a:endParaRPr lang="zh-CN" altLang="en-US"/>
           </a:p>
@@ -3406,7 +3409,7 @@
           <a:p>
             <a:fld id="{2E8C10CD-CE84-4E2B-BABD-39448864A424}" type="datetimeFigureOut">
               <a:rPr lang="zh-CN" altLang="en-US" smtClean="0"/>
-              <a:t>2025/6/1</a:t>
+              <a:t>2025/6/3</a:t>
             </a:fld>
             <a:endParaRPr lang="zh-CN" altLang="en-US"/>
           </a:p>
@@ -3752,7 +3755,7 @@
           <a:p>
             <a:fld id="{2E8C10CD-CE84-4E2B-BABD-39448864A424}" type="datetimeFigureOut">
               <a:rPr lang="zh-CN" altLang="en-US" smtClean="0"/>
-              <a:t>2025/6/1</a:t>
+              <a:t>2025/6/3</a:t>
             </a:fld>
             <a:endParaRPr lang="zh-CN" altLang="en-US"/>
           </a:p>
@@ -3986,7 +3989,7 @@
           <a:p>
             <a:fld id="{7D6E844A-F3CA-45F4-8B57-B3A0DC3A9200}" type="datetimeFigureOut">
               <a:rPr lang="zh-CN" altLang="en-US" smtClean="0"/>
-              <a:t>2025/6/1</a:t>
+              <a:t>2025/6/3</a:t>
             </a:fld>
             <a:endParaRPr lang="zh-CN" altLang="en-US"/>
           </a:p>
@@ -4310,7 +4313,7 @@
           <a:p>
             <a:fld id="{2E8C10CD-CE84-4E2B-BABD-39448864A424}" type="datetimeFigureOut">
               <a:rPr lang="zh-CN" altLang="en-US" smtClean="0"/>
-              <a:t>2025/6/1</a:t>
+              <a:t>2025/6/3</a:t>
             </a:fld>
             <a:endParaRPr lang="zh-CN" altLang="en-US"/>
           </a:p>
@@ -4549,7 +4552,7 @@
           <a:p>
             <a:fld id="{2E8C10CD-CE84-4E2B-BABD-39448864A424}" type="datetimeFigureOut">
               <a:rPr lang="zh-CN" altLang="en-US" smtClean="0"/>
-              <a:t>2025/6/1</a:t>
+              <a:t>2025/6/3</a:t>
             </a:fld>
             <a:endParaRPr lang="zh-CN" altLang="en-US"/>
           </a:p>
@@ -4729,7 +4732,7 @@
           <a:p>
             <a:fld id="{2E8C10CD-CE84-4E2B-BABD-39448864A424}" type="datetimeFigureOut">
               <a:rPr lang="zh-CN" altLang="en-US" smtClean="0"/>
-              <a:t>2025/6/1</a:t>
+              <a:t>2025/6/3</a:t>
             </a:fld>
             <a:endParaRPr lang="zh-CN" altLang="en-US"/>
           </a:p>
@@ -4892,7 +4895,7 @@
             <a:fld id="{B80C25AB-01CB-44EF-B684-5AB310DE0BC5}" type="datetimeFigureOut">
               <a:rPr lang="zh-CN" altLang="en-US" smtClean="0"/>
               <a:pPr/>
-              <a:t>2025/6/1</a:t>
+              <a:t>2025/6/3</a:t>
             </a:fld>
             <a:endParaRPr lang="zh-CN" altLang="en-US"/>
           </a:p>
@@ -5186,7 +5189,7 @@
           <a:p>
             <a:fld id="{7D6E844A-F3CA-45F4-8B57-B3A0DC3A9200}" type="datetimeFigureOut">
               <a:rPr lang="zh-CN" altLang="en-US" smtClean="0"/>
-              <a:t>2025/6/1</a:t>
+              <a:t>2025/6/3</a:t>
             </a:fld>
             <a:endParaRPr lang="zh-CN" altLang="en-US"/>
           </a:p>
@@ -5580,7 +5583,7 @@
           <a:p>
             <a:fld id="{7D6E844A-F3CA-45F4-8B57-B3A0DC3A9200}" type="datetimeFigureOut">
               <a:rPr lang="zh-CN" altLang="en-US" smtClean="0"/>
-              <a:t>2025/6/1</a:t>
+              <a:t>2025/6/3</a:t>
             </a:fld>
             <a:endParaRPr lang="zh-CN" altLang="en-US"/>
           </a:p>
@@ -6057,7 +6060,7 @@
           <a:p>
             <a:fld id="{7D6E844A-F3CA-45F4-8B57-B3A0DC3A9200}" type="datetimeFigureOut">
               <a:rPr lang="zh-CN" altLang="en-US" smtClean="0"/>
-              <a:t>2025/6/1</a:t>
+              <a:t>2025/6/3</a:t>
             </a:fld>
             <a:endParaRPr lang="zh-CN" altLang="en-US"/>
           </a:p>
@@ -6175,7 +6178,7 @@
           <a:p>
             <a:fld id="{7D6E844A-F3CA-45F4-8B57-B3A0DC3A9200}" type="datetimeFigureOut">
               <a:rPr lang="zh-CN" altLang="en-US" smtClean="0"/>
-              <a:t>2025/6/1</a:t>
+              <a:t>2025/6/3</a:t>
             </a:fld>
             <a:endParaRPr lang="zh-CN" altLang="en-US"/>
           </a:p>
@@ -6270,7 +6273,7 @@
           <a:p>
             <a:fld id="{7D6E844A-F3CA-45F4-8B57-B3A0DC3A9200}" type="datetimeFigureOut">
               <a:rPr lang="zh-CN" altLang="en-US" smtClean="0"/>
-              <a:t>2025/6/1</a:t>
+              <a:t>2025/6/3</a:t>
             </a:fld>
             <a:endParaRPr lang="zh-CN" altLang="en-US"/>
           </a:p>
@@ -6616,7 +6619,7 @@
           <a:p>
             <a:fld id="{7D6E844A-F3CA-45F4-8B57-B3A0DC3A9200}" type="datetimeFigureOut">
               <a:rPr lang="zh-CN" altLang="en-US" smtClean="0"/>
-              <a:t>2025/6/1</a:t>
+              <a:t>2025/6/3</a:t>
             </a:fld>
             <a:endParaRPr lang="zh-CN" altLang="en-US"/>
           </a:p>
@@ -7004,7 +7007,7 @@
           <a:p>
             <a:fld id="{7D6E844A-F3CA-45F4-8B57-B3A0DC3A9200}" type="datetimeFigureOut">
               <a:rPr lang="zh-CN" altLang="en-US" smtClean="0"/>
-              <a:t>2025/6/1</a:t>
+              <a:t>2025/6/3</a:t>
             </a:fld>
             <a:endParaRPr lang="zh-CN" altLang="en-US"/>
           </a:p>
@@ -7282,7 +7285,7 @@
           <a:p>
             <a:fld id="{7D6E844A-F3CA-45F4-8B57-B3A0DC3A9200}" type="datetimeFigureOut">
               <a:rPr lang="zh-CN" altLang="en-US" smtClean="0"/>
-              <a:t>2025/6/1</a:t>
+              <a:t>2025/6/3</a:t>
             </a:fld>
             <a:endParaRPr lang="zh-CN" altLang="en-US"/>
           </a:p>
@@ -7930,7 +7933,7 @@
           <a:p>
             <a:fld id="{2E8C10CD-CE84-4E2B-BABD-39448864A424}" type="datetimeFigureOut">
               <a:rPr lang="zh-CN" altLang="en-US" smtClean="0"/>
-              <a:t>2025/6/1</a:t>
+              <a:t>2025/6/3</a:t>
             </a:fld>
             <a:endParaRPr lang="zh-CN" altLang="en-US"/>
           </a:p>
@@ -8529,20 +8532,23 @@
                 <a:t>                                                                                              </a:t>
               </a:r>
               <a:r>
-                <a:rPr lang="zh-CN" altLang="en-US" sz="2800" b="1" dirty="0">
+                <a:rPr lang="zh-CN" altLang="en-US" sz="2800" dirty="0">
                   <a:solidFill>
-                    <a:srgbClr val="202124"/>
+                    <a:schemeClr val="tx2"/>
                   </a:solidFill>
-                  <a:effectLst/>
-                  <a:latin typeface="zeitung"/>
+                  <a:latin typeface="+mj-lt"/>
+                  <a:ea typeface="+mj-ea"/>
+                  <a:cs typeface="+mj-cs"/>
                 </a:rPr>
                 <a:t>电影评论情感分析探索性数据分析及模型</a:t>
               </a:r>
-              <a:endParaRPr lang="en-US" altLang="zh-CN" sz="2800" b="1" dirty="0">
-                <a:solidFill>
-                  <a:srgbClr val="202124"/>
-                </a:solidFill>
-                <a:latin typeface="zeitung"/>
+              <a:endParaRPr lang="en-US" altLang="zh-CN" sz="2800" dirty="0">
+                <a:solidFill>
+                  <a:schemeClr val="tx2"/>
+                </a:solidFill>
+                <a:latin typeface="+mj-lt"/>
+                <a:ea typeface="+mj-ea"/>
+                <a:cs typeface="+mj-cs"/>
               </a:endParaRPr>
             </a:p>
             <a:p>
@@ -9095,7 +9101,7 @@
               <a:buNone/>
             </a:pPr>
             <a:r>
-              <a:rPr lang="zh-CN" altLang="zh-CN" sz="2800" b="1" dirty="0">
+              <a:rPr lang="zh-CN" altLang="zh-CN" sz="2800" dirty="0">
                 <a:solidFill>
                   <a:schemeClr val="tx1"/>
                 </a:solidFill>
@@ -9103,7 +9109,7 @@
               </a:rPr>
               <a:t>数据加载与初步探索</a:t>
             </a:r>
-            <a:endParaRPr lang="en-US" altLang="zh-CN" sz="2800" b="1" dirty="0">
+            <a:endParaRPr lang="en-US" altLang="zh-CN" sz="2800" dirty="0">
               <a:solidFill>
                 <a:schemeClr val="tx1"/>
               </a:solidFill>
@@ -9371,7 +9377,7 @@
           </a:bodyPr>
           <a:lstStyle/>
           <a:p>
-            <a:pPr marL="0" marR="0" lvl="0" indent="0" eaLnBrk="0" fontAlgn="base" hangingPunct="0">
+            <a:pPr marL="0" indent="0" eaLnBrk="0" fontAlgn="base" hangingPunct="0">
               <a:lnSpc>
                 <a:spcPct val="100000"/>
               </a:lnSpc>
@@ -9381,13 +9387,10 @@
               <a:spcAft>
                 <a:spcPct val="0"/>
               </a:spcAft>
-              <a:buClrTx/>
-              <a:buSzTx/>
               <a:buNone/>
-              <a:tabLst/>
             </a:pPr>
             <a:r>
-              <a:rPr lang="zh-CN" altLang="zh-CN" sz="2800" b="1" dirty="0">
+              <a:rPr lang="zh-CN" altLang="zh-CN" sz="2800" dirty="0">
                 <a:solidFill>
                   <a:schemeClr val="tx1"/>
                 </a:solidFill>
@@ -9395,7 +9398,7 @@
               </a:rPr>
               <a:t>数据加载与初步探索</a:t>
             </a:r>
-            <a:endParaRPr lang="en-US" altLang="zh-CN" sz="2800" b="1" dirty="0">
+            <a:endParaRPr lang="en-US" altLang="zh-CN" sz="2800" dirty="0">
               <a:solidFill>
                 <a:schemeClr val="tx1"/>
               </a:solidFill>
@@ -9670,7 +9673,7 @@
               <a:buNone/>
             </a:pPr>
             <a:r>
-              <a:rPr lang="zh-CN" altLang="zh-CN" sz="2800" b="1" dirty="0">
+              <a:rPr lang="zh-CN" altLang="zh-CN" sz="2800" dirty="0">
                 <a:solidFill>
                   <a:schemeClr val="tx1"/>
                 </a:solidFill>
@@ -9678,7 +9681,7 @@
               </a:rPr>
               <a:t>数据加载与初步探索</a:t>
             </a:r>
-            <a:endParaRPr lang="en-US" altLang="zh-CN" sz="2800" b="1" dirty="0">
+            <a:endParaRPr lang="en-US" altLang="zh-CN" sz="2800" dirty="0">
               <a:solidFill>
                 <a:schemeClr val="tx1"/>
               </a:solidFill>
@@ -9956,7 +9959,7 @@
               <a:tabLst/>
             </a:pPr>
             <a:r>
-              <a:rPr lang="zh-CN" altLang="en-US" sz="2800" b="1" dirty="0">
+              <a:rPr lang="zh-CN" altLang="en-US" sz="2800" dirty="0">
                 <a:solidFill>
                   <a:schemeClr val="tx1"/>
                 </a:solidFill>
@@ -10291,7 +10294,7 @@
               <a:buNone/>
             </a:pPr>
             <a:r>
-              <a:rPr lang="zh-CN" altLang="en-US" sz="2800" b="1" dirty="0">
+              <a:rPr lang="zh-CN" altLang="en-US" sz="2800" dirty="0">
                 <a:solidFill>
                   <a:schemeClr val="tx1"/>
                 </a:solidFill>
@@ -10576,7 +10579,7 @@
               <a:tabLst/>
             </a:pPr>
             <a:r>
-              <a:rPr lang="zh-CN" altLang="en-US" sz="2800" b="1" dirty="0">
+              <a:rPr lang="zh-CN" altLang="en-US" sz="2800" dirty="0">
                 <a:solidFill>
                   <a:schemeClr val="tx1"/>
                 </a:solidFill>
@@ -11029,7 +11032,7 @@
               <a:buNone/>
             </a:pPr>
             <a:r>
-              <a:rPr lang="zh-CN" altLang="en-US" sz="2800" b="1" dirty="0">
+              <a:rPr lang="zh-CN" altLang="en-US" sz="2800" dirty="0">
                 <a:solidFill>
                   <a:schemeClr val="tx1"/>
                 </a:solidFill>
@@ -11296,7 +11299,7 @@
               <a:buNone/>
             </a:pPr>
             <a:r>
-              <a:rPr lang="zh-CN" altLang="en-US" sz="2800" b="1" dirty="0">
+              <a:rPr lang="zh-CN" altLang="en-US" sz="2800" dirty="0">
                 <a:solidFill>
                   <a:schemeClr val="tx1"/>
                 </a:solidFill>
@@ -11550,7 +11553,7 @@
               <a:buNone/>
             </a:pPr>
             <a:r>
-              <a:rPr lang="zh-CN" altLang="en-US" sz="2800" b="1" dirty="0">
+              <a:rPr lang="zh-CN" altLang="en-US" sz="2800" dirty="0">
                 <a:solidFill>
                   <a:schemeClr val="tx1"/>
                 </a:solidFill>
@@ -11846,7 +11849,7 @@
               <a:buNone/>
             </a:pPr>
             <a:r>
-              <a:rPr lang="zh-CN" altLang="en-US" sz="2800" b="1" dirty="0">
+              <a:rPr lang="zh-CN" altLang="en-US" sz="2800" dirty="0">
                 <a:solidFill>
                   <a:schemeClr val="tx1"/>
                 </a:solidFill>
@@ -15736,7 +15739,7 @@
               <a:buNone/>
             </a:pPr>
             <a:r>
-              <a:rPr lang="zh-CN" altLang="en-US" sz="2800" b="1" dirty="0">
+              <a:rPr lang="zh-CN" altLang="en-US" sz="2800" dirty="0">
                 <a:solidFill>
                   <a:schemeClr val="tx1"/>
                 </a:solidFill>
@@ -16026,7 +16029,7 @@
               <a:buNone/>
             </a:pPr>
             <a:r>
-              <a:rPr lang="zh-CN" altLang="en-US" sz="2800" b="1" dirty="0">
+              <a:rPr lang="zh-CN" altLang="en-US" sz="2800" dirty="0">
                 <a:solidFill>
                   <a:schemeClr val="tx1"/>
                 </a:solidFill>
@@ -16415,7 +16418,7 @@
               <a:buNone/>
             </a:pPr>
             <a:r>
-              <a:rPr lang="zh-CN" altLang="en-US" sz="2800" b="1" dirty="0">
+              <a:rPr lang="zh-CN" altLang="en-US" sz="2800" dirty="0">
                 <a:solidFill>
                   <a:schemeClr val="tx1"/>
                 </a:solidFill>
@@ -16687,7 +16690,7 @@
               <a:buNone/>
             </a:pPr>
             <a:r>
-              <a:rPr lang="zh-CN" altLang="en-US" sz="2800" b="1" dirty="0">
+              <a:rPr lang="zh-CN" altLang="en-US" sz="2800" dirty="0">
                 <a:solidFill>
                   <a:schemeClr val="tx1"/>
                 </a:solidFill>
@@ -17035,7 +17038,7 @@
               <a:buNone/>
             </a:pPr>
             <a:r>
-              <a:rPr lang="zh-CN" altLang="en-US" sz="2800" b="1" dirty="0">
+              <a:rPr lang="zh-CN" altLang="en-US" sz="2800" dirty="0">
                 <a:solidFill>
                   <a:schemeClr val="tx1"/>
                 </a:solidFill>
@@ -17728,7 +17731,7 @@
               <a:buNone/>
             </a:pPr>
             <a:r>
-              <a:rPr lang="zh-CN" altLang="en-US" sz="2800" b="1" dirty="0">
+              <a:rPr lang="zh-CN" altLang="en-US" sz="2800" dirty="0">
                 <a:solidFill>
                   <a:schemeClr val="tx1"/>
                 </a:solidFill>
@@ -18016,7 +18019,7 @@
               <a:buNone/>
             </a:pPr>
             <a:r>
-              <a:rPr lang="zh-CN" altLang="en-US" sz="2800" b="1" dirty="0">
+              <a:rPr lang="zh-CN" altLang="en-US" sz="2800" dirty="0">
                 <a:solidFill>
                   <a:schemeClr val="tx1"/>
                 </a:solidFill>
@@ -18274,8 +18277,8 @@
         </p:nvSpPr>
         <p:spPr bwMode="auto">
           <a:xfrm>
-            <a:off x="786060" y="1498695"/>
-            <a:ext cx="7048903" cy="4238640"/>
+            <a:off x="786061" y="1723115"/>
+            <a:ext cx="6278128" cy="3789799"/>
           </a:xfrm>
           <a:prstGeom prst="rect">
             <a:avLst/>
@@ -18308,8 +18311,7 @@
               <a:buNone/>
             </a:pPr>
             <a:r>
-              <a:rPr lang="zh-CN" altLang="en-US" sz="2800" b="1" i="0" dirty="0">
-                <a:effectLst/>
+              <a:rPr lang="zh-CN" altLang="en-US" sz="2800" dirty="0">
                 <a:latin typeface="inherit"/>
               </a:rPr>
               <a:t>总结</a:t>
@@ -18330,18 +18332,10 @@
               <a:buChar char="•"/>
             </a:pPr>
             <a:r>
-              <a:rPr lang="zh-CN" altLang="en-US" sz="1600" b="1" i="0" dirty="0">
-                <a:effectLst/>
+              <a:rPr lang="zh-CN" altLang="en-US" sz="1600" dirty="0">
                 <a:latin typeface="inherit"/>
               </a:rPr>
-              <a:t>数据加载与初步探索</a:t>
-            </a:r>
-            <a:r>
-              <a:rPr lang="zh-CN" altLang="en-US" sz="1600" b="0" i="0" dirty="0">
-                <a:effectLst/>
-                <a:latin typeface="inherit"/>
-              </a:rPr>
-              <a:t>：加载数据，了解数据的结构和分布情况。</a:t>
+              <a:t>数据加载与初步探索：加载数据，了解数据的结构和分布情况。</a:t>
             </a:r>
           </a:p>
           <a:p>
@@ -18359,18 +18353,10 @@
               <a:buChar char="•"/>
             </a:pPr>
             <a:r>
-              <a:rPr lang="zh-CN" altLang="en-US" sz="1600" b="1" i="0" dirty="0">
-                <a:effectLst/>
+              <a:rPr lang="zh-CN" altLang="en-US" sz="1600" dirty="0">
                 <a:latin typeface="inherit"/>
               </a:rPr>
-              <a:t>特征工程与数据预处理</a:t>
-            </a:r>
-            <a:r>
-              <a:rPr lang="zh-CN" altLang="en-US" sz="1600" b="0" i="0" dirty="0">
-                <a:effectLst/>
-                <a:latin typeface="inherit"/>
-              </a:rPr>
-              <a:t>：对文本数据进行分词、向量化等处理，构建特征。</a:t>
+              <a:t>特征工程与数据预处理：对文本数据进行分词、向量化等处理，构建特征。</a:t>
             </a:r>
           </a:p>
           <a:p>
@@ -18388,18 +18374,10 @@
               <a:buChar char="•"/>
             </a:pPr>
             <a:r>
-              <a:rPr lang="zh-CN" altLang="en-US" sz="1600" b="1" i="0" dirty="0">
-                <a:effectLst/>
+              <a:rPr lang="zh-CN" altLang="en-US" sz="1600" dirty="0">
                 <a:latin typeface="inherit"/>
               </a:rPr>
-              <a:t>模型训练与评估</a:t>
-            </a:r>
-            <a:r>
-              <a:rPr lang="zh-CN" altLang="en-US" sz="1600" b="0" i="0" dirty="0">
-                <a:effectLst/>
-                <a:latin typeface="inherit"/>
-              </a:rPr>
-              <a:t>：训练传统机器学习模型和深度学习模型，评估模型性能。</a:t>
+              <a:t>模型训练与评估：训练传统机器学习模型和深度学习模型，评估模型性能。</a:t>
             </a:r>
           </a:p>
           <a:p>
@@ -18417,37 +18395,79 @@
               <a:buChar char="•"/>
             </a:pPr>
             <a:r>
-              <a:rPr lang="zh-CN" altLang="en-US" sz="1600" b="1" i="0" dirty="0">
-                <a:effectLst/>
+              <a:rPr lang="zh-CN" altLang="en-US" sz="1600" dirty="0">
                 <a:latin typeface="inherit"/>
               </a:rPr>
-              <a:t>模型融合与结果提交</a:t>
-            </a:r>
-            <a:r>
-              <a:rPr lang="zh-CN" altLang="en-US" sz="1600" b="0" i="0" dirty="0">
-                <a:effectLst/>
-                <a:latin typeface="inherit"/>
-              </a:rPr>
-              <a:t>：对多个深度学习模型的预测结果进行融合，生成最终预测结果并提交。</a:t>
-            </a:r>
-          </a:p>
-          <a:p>
-            <a:pPr algn="l" fontAlgn="base">
-              <a:lnSpc>
-                <a:spcPts val="1950"/>
-              </a:lnSpc>
-              <a:spcBef>
-                <a:spcPts val="2250"/>
-              </a:spcBef>
-              <a:buNone/>
-            </a:pPr>
-            <a:r>
-              <a:rPr lang="zh-CN" altLang="en-US" sz="1600" b="0" i="0" dirty="0">
-                <a:effectLst/>
+              <a:t>模型融合与结果提交：对多个深度学习模型的预测结果进行融合，生成最终预测结果并提交。</a:t>
+            </a:r>
+          </a:p>
+        </p:txBody>
+      </p:sp>
+      <p:pic>
+        <p:nvPicPr>
+          <p:cNvPr id="5" name="图片 4">
+            <a:extLst>
+              <a:ext uri="{FF2B5EF4-FFF2-40B4-BE49-F238E27FC236}">
+                <a16:creationId xmlns:a16="http://schemas.microsoft.com/office/drawing/2014/main" id="{73219045-54EB-6660-CB12-31B93ABC9E21}"/>
+              </a:ext>
+            </a:extLst>
+          </p:cNvPr>
+          <p:cNvPicPr>
+            <a:picLocks noChangeAspect="1"/>
+          </p:cNvPicPr>
+          <p:nvPr/>
+        </p:nvPicPr>
+        <p:blipFill>
+          <a:blip r:embed="rId3"/>
+          <a:stretch>
+            <a:fillRect/>
+          </a:stretch>
+        </p:blipFill>
+        <p:spPr>
+          <a:xfrm>
+            <a:off x="7259193" y="2563595"/>
+            <a:ext cx="4592147" cy="2865186"/>
+          </a:xfrm>
+          <a:prstGeom prst="rect">
+            <a:avLst/>
+          </a:prstGeom>
+        </p:spPr>
+      </p:pic>
+      <p:sp>
+        <p:nvSpPr>
+          <p:cNvPr id="10" name="文本框 9">
+            <a:extLst>
+              <a:ext uri="{FF2B5EF4-FFF2-40B4-BE49-F238E27FC236}">
+                <a16:creationId xmlns:a16="http://schemas.microsoft.com/office/drawing/2014/main" id="{4FFEE91C-73F7-8C90-4F6A-BAB5322160AB}"/>
+              </a:ext>
+            </a:extLst>
+          </p:cNvPr>
+          <p:cNvSpPr txBox="1"/>
+          <p:nvPr/>
+        </p:nvSpPr>
+        <p:spPr>
+          <a:xfrm>
+            <a:off x="2286000" y="5596122"/>
+            <a:ext cx="7772400" cy="954107"/>
+          </a:xfrm>
+          <a:prstGeom prst="rect">
+            <a:avLst/>
+          </a:prstGeom>
+          <a:noFill/>
+        </p:spPr>
+        <p:txBody>
+          <a:bodyPr wrap="square">
+            <a:spAutoFit/>
+          </a:bodyPr>
+          <a:lstStyle/>
+          <a:p>
+            <a:r>
+              <a:rPr lang="zh-CN" altLang="en-US" sz="2800" dirty="0">
                 <a:latin typeface="inherit"/>
               </a:rPr>
               <a:t>整个实验流程涵盖了从数据加载到模型训练、评估和结果提交的完整机器学习流程。</a:t>
             </a:r>
+            <a:endParaRPr lang="zh-CN" altLang="en-US" sz="2800" dirty="0"/>
           </a:p>
         </p:txBody>
       </p:sp>
@@ -18469,7 +18489,13 @@
   <p:cSld>
     <p:spTree>
       <p:nvGrpSpPr>
-        <p:cNvPr id="1" name=""/>
+        <p:cNvPr id="1" name="">
+          <a:extLst>
+            <a:ext uri="{FF2B5EF4-FFF2-40B4-BE49-F238E27FC236}">
+              <a16:creationId xmlns:a16="http://schemas.microsoft.com/office/drawing/2014/main" id="{7E5CC742-1E32-CB67-706A-FF08CB5527D6}"/>
+            </a:ext>
+          </a:extLst>
+        </p:cNvPr>
         <p:cNvGrpSpPr/>
         <p:nvPr/>
       </p:nvGrpSpPr>
@@ -18481,9 +18507,43 @@
           <a:chExt cx="0" cy="0"/>
         </a:xfrm>
       </p:grpSpPr>
+      <p:sp>
+        <p:nvSpPr>
+          <p:cNvPr id="2" name="标题 1">
+            <a:extLst>
+              <a:ext uri="{FF2B5EF4-FFF2-40B4-BE49-F238E27FC236}">
+                <a16:creationId xmlns:a16="http://schemas.microsoft.com/office/drawing/2014/main" id="{E14F1BFC-5AF3-CDCA-E48B-14E555272187}"/>
+              </a:ext>
+            </a:extLst>
+          </p:cNvPr>
+          <p:cNvSpPr>
+            <a:spLocks noGrp="1"/>
+          </p:cNvSpPr>
+          <p:nvPr>
+            <p:ph type="title"/>
+          </p:nvPr>
+        </p:nvSpPr>
+        <p:spPr/>
+        <p:txBody>
+          <a:bodyPr/>
+          <a:lstStyle/>
+          <a:p>
+            <a:r>
+              <a:rPr lang="zh-CN" altLang="en-US" dirty="0"/>
+              <a:t>实验结果</a:t>
+            </a:r>
+          </a:p>
+        </p:txBody>
+      </p:sp>
       <p:pic>
         <p:nvPicPr>
-          <p:cNvPr id="42" name="图片 41"/>
+          <p:cNvPr id="4" name="图片 3">
+            <a:extLst>
+              <a:ext uri="{FF2B5EF4-FFF2-40B4-BE49-F238E27FC236}">
+                <a16:creationId xmlns:a16="http://schemas.microsoft.com/office/drawing/2014/main" id="{D6C0844C-42E2-80B4-F62C-F913DC9A6483}"/>
+              </a:ext>
+            </a:extLst>
+          </p:cNvPr>
           <p:cNvPicPr>
             <a:picLocks noChangeAspect="1"/>
           </p:cNvPicPr>
@@ -18493,7 +18553,7 @@
           <a:blip r:embed="rId2">
             <a:extLst>
               <a:ext uri="{28A0092B-C50C-407E-A947-70E740481C1C}">
-                <a14:useLocalDpi xmlns:a14="http://schemas.microsoft.com/office/drawing/2010/main"/>
+                <a14:useLocalDpi xmlns:a14="http://schemas.microsoft.com/office/drawing/2010/main" val="0"/>
               </a:ext>
             </a:extLst>
           </a:blip>
@@ -18503,8 +18563,68 @@
         </p:blipFill>
         <p:spPr>
           <a:xfrm>
-            <a:off x="2986770" y="2081667"/>
-            <a:ext cx="6218459" cy="2694666"/>
+            <a:off x="10753662" y="293905"/>
+            <a:ext cx="1204790" cy="1204790"/>
+          </a:xfrm>
+          <a:prstGeom prst="rect">
+            <a:avLst/>
+          </a:prstGeom>
+        </p:spPr>
+      </p:pic>
+      <p:pic>
+        <p:nvPicPr>
+          <p:cNvPr id="9" name="图片 8">
+            <a:extLst>
+              <a:ext uri="{FF2B5EF4-FFF2-40B4-BE49-F238E27FC236}">
+                <a16:creationId xmlns:a16="http://schemas.microsoft.com/office/drawing/2014/main" id="{F1024727-3D9C-DF93-F2AB-BE20C47AF9ED}"/>
+              </a:ext>
+            </a:extLst>
+          </p:cNvPr>
+          <p:cNvPicPr>
+            <a:picLocks noChangeAspect="1"/>
+          </p:cNvPicPr>
+          <p:nvPr/>
+        </p:nvPicPr>
+        <p:blipFill>
+          <a:blip r:embed="rId3"/>
+          <a:stretch>
+            <a:fillRect/>
+          </a:stretch>
+        </p:blipFill>
+        <p:spPr>
+          <a:xfrm>
+            <a:off x="1219200" y="1596961"/>
+            <a:ext cx="6226629" cy="3475216"/>
+          </a:xfrm>
+          <a:prstGeom prst="rect">
+            <a:avLst/>
+          </a:prstGeom>
+        </p:spPr>
+      </p:pic>
+      <p:pic>
+        <p:nvPicPr>
+          <p:cNvPr id="12" name="图片 11">
+            <a:extLst>
+              <a:ext uri="{FF2B5EF4-FFF2-40B4-BE49-F238E27FC236}">
+                <a16:creationId xmlns:a16="http://schemas.microsoft.com/office/drawing/2014/main" id="{480B36CC-5294-8B6A-2041-89D0F8256343}"/>
+              </a:ext>
+            </a:extLst>
+          </p:cNvPr>
+          <p:cNvPicPr>
+            <a:picLocks noChangeAspect="1"/>
+          </p:cNvPicPr>
+          <p:nvPr/>
+        </p:nvPicPr>
+        <p:blipFill>
+          <a:blip r:embed="rId4"/>
+          <a:stretch>
+            <a:fillRect/>
+          </a:stretch>
+        </p:blipFill>
+        <p:spPr>
+          <a:xfrm>
+            <a:off x="7034443" y="2091407"/>
+            <a:ext cx="4924009" cy="3061063"/>
           </a:xfrm>
           <a:prstGeom prst="rect">
             <a:avLst/>
@@ -18514,7 +18634,167 @@
     </p:spTree>
     <p:extLst>
       <p:ext uri="{BB962C8B-B14F-4D97-AF65-F5344CB8AC3E}">
-        <p14:creationId xmlns:p14="http://schemas.microsoft.com/office/powerpoint/2010/main" val="1738309105"/>
+        <p14:creationId xmlns:p14="http://schemas.microsoft.com/office/powerpoint/2010/main" val="1861574687"/>
+      </p:ext>
+    </p:extLst>
+  </p:cSld>
+  <p:clrMapOvr>
+    <a:masterClrMapping/>
+  </p:clrMapOvr>
+</p:sld>
+</file>
+
+<file path=ppt/slides/slide29.xml><?xml version="1.0" encoding="utf-8"?>
+<p:sld xmlns:a="http://schemas.openxmlformats.org/drawingml/2006/main" xmlns:r="http://schemas.openxmlformats.org/officeDocument/2006/relationships" xmlns:p="http://schemas.openxmlformats.org/presentationml/2006/main">
+  <p:cSld>
+    <p:spTree>
+      <p:nvGrpSpPr>
+        <p:cNvPr id="1" name="">
+          <a:extLst>
+            <a:ext uri="{FF2B5EF4-FFF2-40B4-BE49-F238E27FC236}">
+              <a16:creationId xmlns:a16="http://schemas.microsoft.com/office/drawing/2014/main" id="{45D87B6A-E5FC-8DEF-356A-7373DE01E0BA}"/>
+            </a:ext>
+          </a:extLst>
+        </p:cNvPr>
+        <p:cNvGrpSpPr/>
+        <p:nvPr/>
+      </p:nvGrpSpPr>
+      <p:grpSpPr>
+        <a:xfrm>
+          <a:off x="0" y="0"/>
+          <a:ext cx="0" cy="0"/>
+          <a:chOff x="0" y="0"/>
+          <a:chExt cx="0" cy="0"/>
+        </a:xfrm>
+      </p:grpSpPr>
+      <p:sp>
+        <p:nvSpPr>
+          <p:cNvPr id="2" name="标题 1">
+            <a:extLst>
+              <a:ext uri="{FF2B5EF4-FFF2-40B4-BE49-F238E27FC236}">
+                <a16:creationId xmlns:a16="http://schemas.microsoft.com/office/drawing/2014/main" id="{8D5CF454-4430-E857-60A3-DDFBFDD2D874}"/>
+              </a:ext>
+            </a:extLst>
+          </p:cNvPr>
+          <p:cNvSpPr>
+            <a:spLocks noGrp="1"/>
+          </p:cNvSpPr>
+          <p:nvPr>
+            <p:ph type="title"/>
+          </p:nvPr>
+        </p:nvSpPr>
+        <p:spPr/>
+        <p:txBody>
+          <a:bodyPr/>
+          <a:lstStyle/>
+          <a:p>
+            <a:r>
+              <a:rPr lang="zh-CN" altLang="en-US" dirty="0"/>
+              <a:t>实验结果</a:t>
+            </a:r>
+          </a:p>
+        </p:txBody>
+      </p:sp>
+      <p:pic>
+        <p:nvPicPr>
+          <p:cNvPr id="4" name="图片 3">
+            <a:extLst>
+              <a:ext uri="{FF2B5EF4-FFF2-40B4-BE49-F238E27FC236}">
+                <a16:creationId xmlns:a16="http://schemas.microsoft.com/office/drawing/2014/main" id="{67679616-E535-2749-7F4E-A92DF812F864}"/>
+              </a:ext>
+            </a:extLst>
+          </p:cNvPr>
+          <p:cNvPicPr>
+            <a:picLocks noChangeAspect="1"/>
+          </p:cNvPicPr>
+          <p:nvPr/>
+        </p:nvPicPr>
+        <p:blipFill>
+          <a:blip r:embed="rId2">
+            <a:extLst>
+              <a:ext uri="{28A0092B-C50C-407E-A947-70E740481C1C}">
+                <a14:useLocalDpi xmlns:a14="http://schemas.microsoft.com/office/drawing/2010/main" val="0"/>
+              </a:ext>
+            </a:extLst>
+          </a:blip>
+          <a:stretch>
+            <a:fillRect/>
+          </a:stretch>
+        </p:blipFill>
+        <p:spPr>
+          <a:xfrm>
+            <a:off x="10753662" y="293905"/>
+            <a:ext cx="1204790" cy="1204790"/>
+          </a:xfrm>
+          <a:prstGeom prst="rect">
+            <a:avLst/>
+          </a:prstGeom>
+        </p:spPr>
+      </p:pic>
+      <p:pic>
+        <p:nvPicPr>
+          <p:cNvPr id="5" name="图片 4">
+            <a:extLst>
+              <a:ext uri="{FF2B5EF4-FFF2-40B4-BE49-F238E27FC236}">
+                <a16:creationId xmlns:a16="http://schemas.microsoft.com/office/drawing/2014/main" id="{0640BC53-C3E8-8A93-C976-9B8FF545F8EA}"/>
+              </a:ext>
+            </a:extLst>
+          </p:cNvPr>
+          <p:cNvPicPr>
+            <a:picLocks noChangeAspect="1"/>
+          </p:cNvPicPr>
+          <p:nvPr/>
+        </p:nvPicPr>
+        <p:blipFill>
+          <a:blip r:embed="rId3"/>
+          <a:stretch>
+            <a:fillRect/>
+          </a:stretch>
+        </p:blipFill>
+        <p:spPr>
+          <a:xfrm>
+            <a:off x="1219200" y="1950012"/>
+            <a:ext cx="5071245" cy="3331736"/>
+          </a:xfrm>
+          <a:prstGeom prst="rect">
+            <a:avLst/>
+          </a:prstGeom>
+        </p:spPr>
+      </p:pic>
+      <p:pic>
+        <p:nvPicPr>
+          <p:cNvPr id="7" name="图片 6">
+            <a:extLst>
+              <a:ext uri="{FF2B5EF4-FFF2-40B4-BE49-F238E27FC236}">
+                <a16:creationId xmlns:a16="http://schemas.microsoft.com/office/drawing/2014/main" id="{2335A60C-2736-6BDB-9C21-FCEDF9CF4573}"/>
+              </a:ext>
+            </a:extLst>
+          </p:cNvPr>
+          <p:cNvPicPr>
+            <a:picLocks noChangeAspect="1"/>
+          </p:cNvPicPr>
+          <p:nvPr/>
+        </p:nvPicPr>
+        <p:blipFill>
+          <a:blip r:embed="rId4"/>
+          <a:stretch>
+            <a:fillRect/>
+          </a:stretch>
+        </p:blipFill>
+        <p:spPr>
+          <a:xfrm>
+            <a:off x="6618514" y="2841540"/>
+            <a:ext cx="5007429" cy="2440208"/>
+          </a:xfrm>
+          <a:prstGeom prst="rect">
+            <a:avLst/>
+          </a:prstGeom>
+        </p:spPr>
+      </p:pic>
+    </p:spTree>
+    <p:extLst>
+      <p:ext uri="{BB962C8B-B14F-4D97-AF65-F5344CB8AC3E}">
+        <p14:creationId xmlns:p14="http://schemas.microsoft.com/office/powerpoint/2010/main" val="2618552106"/>
       </p:ext>
     </p:extLst>
   </p:cSld>
@@ -18853,18 +19133,10 @@
               <a:buChar char="•"/>
             </a:pPr>
             <a:r>
-              <a:rPr lang="zh-CN" altLang="en-US" sz="2400" b="1" i="0" dirty="0">
-                <a:effectLst/>
+              <a:rPr lang="zh-CN" altLang="en-US" sz="2500" dirty="0">
                 <a:latin typeface="inherit"/>
               </a:rPr>
-              <a:t>数据探索</a:t>
-            </a:r>
-            <a:r>
-              <a:rPr lang="zh-CN" altLang="en-US" sz="2400" b="0" i="0" dirty="0">
-                <a:effectLst/>
-                <a:latin typeface="inherit"/>
-              </a:rPr>
-              <a:t>：了解电影评论数据的结构和特点，包括短语的分布、情感标签的分布等。</a:t>
+              <a:t>数据探索：了解电影评论数据的结构和特点，包括短语的分布、情感标签的分布等。</a:t>
             </a:r>
           </a:p>
           <a:p>
@@ -18879,18 +19151,10 @@
               <a:buChar char="•"/>
             </a:pPr>
             <a:r>
-              <a:rPr lang="zh-CN" altLang="en-US" sz="2400" b="1" i="0" dirty="0">
-                <a:effectLst/>
+              <a:rPr lang="zh-CN" altLang="en-US" sz="2500" dirty="0">
                 <a:latin typeface="inherit"/>
               </a:rPr>
-              <a:t>特征工程</a:t>
-            </a:r>
-            <a:r>
-              <a:rPr lang="zh-CN" altLang="en-US" sz="2400" b="0" i="0" dirty="0">
-                <a:effectLst/>
-                <a:latin typeface="inherit"/>
-              </a:rPr>
-              <a:t>：提取和构建有效的特征，以提高模型的预测性能。</a:t>
+              <a:t>特征工程：提取和构建有效的特征，以提高模型的预测性能。</a:t>
             </a:r>
           </a:p>
           <a:p>
@@ -18905,18 +19169,10 @@
               <a:buChar char="•"/>
             </a:pPr>
             <a:r>
-              <a:rPr lang="zh-CN" altLang="en-US" sz="2400" b="1" i="0" dirty="0">
-                <a:effectLst/>
+              <a:rPr lang="zh-CN" altLang="en-US" sz="2500" dirty="0">
                 <a:latin typeface="inherit"/>
               </a:rPr>
-              <a:t>模型训练与评估</a:t>
-            </a:r>
-            <a:r>
-              <a:rPr lang="zh-CN" altLang="en-US" sz="2400" b="0" i="0" dirty="0">
-                <a:effectLst/>
-                <a:latin typeface="inherit"/>
-              </a:rPr>
-              <a:t>：尝试多种机器学习和深度学习模型，评估其性能，并选择最佳模型。</a:t>
+              <a:t>模型训练与评估：尝试多种机器学习和深度学习模型，评估其性能，并选择最佳模型。</a:t>
             </a:r>
           </a:p>
           <a:p>
@@ -18931,18 +19187,10 @@
               <a:buChar char="•"/>
             </a:pPr>
             <a:r>
-              <a:rPr lang="zh-CN" altLang="en-US" sz="2400" b="1" i="0" dirty="0">
-                <a:effectLst/>
+              <a:rPr lang="zh-CN" altLang="en-US" sz="2500" dirty="0">
                 <a:latin typeface="inherit"/>
               </a:rPr>
-              <a:t>模型融合</a:t>
-            </a:r>
-            <a:r>
-              <a:rPr lang="zh-CN" altLang="en-US" sz="2400" b="0" i="0" dirty="0">
-                <a:effectLst/>
-                <a:latin typeface="inherit"/>
-              </a:rPr>
-              <a:t>：通过融合多个模型的预测结果，进一步提高模型的泛化能力和预测准确性。</a:t>
+              <a:t>模型融合：通过融合多个模型的预测结果，进一步提高模型的泛化能力和预测准确性。</a:t>
             </a:r>
           </a:p>
           <a:p>
@@ -18957,18 +19205,10 @@
               <a:buChar char="•"/>
             </a:pPr>
             <a:r>
-              <a:rPr lang="zh-CN" altLang="en-US" sz="2400" b="1" i="0" dirty="0">
-                <a:effectLst/>
+              <a:rPr lang="zh-CN" altLang="en-US" sz="2500" dirty="0">
                 <a:latin typeface="inherit"/>
               </a:rPr>
-              <a:t>结果提交</a:t>
-            </a:r>
-            <a:r>
-              <a:rPr lang="zh-CN" altLang="en-US" sz="2400" b="0" i="0" dirty="0">
-                <a:effectLst/>
-                <a:latin typeface="inherit"/>
-              </a:rPr>
-              <a:t>：将最终的预测结果整理为提交文件，用于竞赛或实际应用。</a:t>
+              <a:t>结果提交：将最终的预测结果整理为提交文件，用于竞赛或实际应用。</a:t>
             </a:r>
           </a:p>
         </p:txBody>
@@ -18977,6 +19217,196 @@
     <p:extLst>
       <p:ext uri="{BB962C8B-B14F-4D97-AF65-F5344CB8AC3E}">
         <p14:creationId xmlns:p14="http://schemas.microsoft.com/office/powerpoint/2010/main" val="2853947493"/>
+      </p:ext>
+    </p:extLst>
+  </p:cSld>
+  <p:clrMapOvr>
+    <a:masterClrMapping/>
+  </p:clrMapOvr>
+</p:sld>
+</file>
+
+<file path=ppt/slides/slide30.xml><?xml version="1.0" encoding="utf-8"?>
+<p:sld xmlns:a="http://schemas.openxmlformats.org/drawingml/2006/main" xmlns:r="http://schemas.openxmlformats.org/officeDocument/2006/relationships" xmlns:p="http://schemas.openxmlformats.org/presentationml/2006/main">
+  <p:cSld>
+    <p:spTree>
+      <p:nvGrpSpPr>
+        <p:cNvPr id="1" name="">
+          <a:extLst>
+            <a:ext uri="{FF2B5EF4-FFF2-40B4-BE49-F238E27FC236}">
+              <a16:creationId xmlns:a16="http://schemas.microsoft.com/office/drawing/2014/main" id="{E9E4F707-3666-53C8-0A03-8E72B133593C}"/>
+            </a:ext>
+          </a:extLst>
+        </p:cNvPr>
+        <p:cNvGrpSpPr/>
+        <p:nvPr/>
+      </p:nvGrpSpPr>
+      <p:grpSpPr>
+        <a:xfrm>
+          <a:off x="0" y="0"/>
+          <a:ext cx="0" cy="0"/>
+          <a:chOff x="0" y="0"/>
+          <a:chExt cx="0" cy="0"/>
+        </a:xfrm>
+      </p:grpSpPr>
+      <p:sp>
+        <p:nvSpPr>
+          <p:cNvPr id="2" name="标题 1">
+            <a:extLst>
+              <a:ext uri="{FF2B5EF4-FFF2-40B4-BE49-F238E27FC236}">
+                <a16:creationId xmlns:a16="http://schemas.microsoft.com/office/drawing/2014/main" id="{2E44EDFE-DDC4-1EB5-347D-8B2871E329F8}"/>
+              </a:ext>
+            </a:extLst>
+          </p:cNvPr>
+          <p:cNvSpPr>
+            <a:spLocks noGrp="1"/>
+          </p:cNvSpPr>
+          <p:nvPr>
+            <p:ph type="title"/>
+          </p:nvPr>
+        </p:nvSpPr>
+        <p:spPr/>
+        <p:txBody>
+          <a:bodyPr/>
+          <a:lstStyle/>
+          <a:p>
+            <a:r>
+              <a:rPr lang="zh-CN" altLang="en-US" dirty="0"/>
+              <a:t>实验结果</a:t>
+            </a:r>
+          </a:p>
+        </p:txBody>
+      </p:sp>
+      <p:pic>
+        <p:nvPicPr>
+          <p:cNvPr id="4" name="图片 3">
+            <a:extLst>
+              <a:ext uri="{FF2B5EF4-FFF2-40B4-BE49-F238E27FC236}">
+                <a16:creationId xmlns:a16="http://schemas.microsoft.com/office/drawing/2014/main" id="{10E9236A-3463-6604-E33D-54681E5BD217}"/>
+              </a:ext>
+            </a:extLst>
+          </p:cNvPr>
+          <p:cNvPicPr>
+            <a:picLocks noChangeAspect="1"/>
+          </p:cNvPicPr>
+          <p:nvPr/>
+        </p:nvPicPr>
+        <p:blipFill>
+          <a:blip r:embed="rId2">
+            <a:extLst>
+              <a:ext uri="{28A0092B-C50C-407E-A947-70E740481C1C}">
+                <a14:useLocalDpi xmlns:a14="http://schemas.microsoft.com/office/drawing/2010/main" val="0"/>
+              </a:ext>
+            </a:extLst>
+          </a:blip>
+          <a:stretch>
+            <a:fillRect/>
+          </a:stretch>
+        </p:blipFill>
+        <p:spPr>
+          <a:xfrm>
+            <a:off x="10753662" y="293905"/>
+            <a:ext cx="1204790" cy="1204790"/>
+          </a:xfrm>
+          <a:prstGeom prst="rect">
+            <a:avLst/>
+          </a:prstGeom>
+        </p:spPr>
+      </p:pic>
+      <p:pic>
+        <p:nvPicPr>
+          <p:cNvPr id="6" name="图片 5">
+            <a:extLst>
+              <a:ext uri="{FF2B5EF4-FFF2-40B4-BE49-F238E27FC236}">
+                <a16:creationId xmlns:a16="http://schemas.microsoft.com/office/drawing/2014/main" id="{4CD6E2A2-8861-5C8C-8658-D3FBBD0E2750}"/>
+              </a:ext>
+            </a:extLst>
+          </p:cNvPr>
+          <p:cNvPicPr>
+            <a:picLocks noChangeAspect="1"/>
+          </p:cNvPicPr>
+          <p:nvPr/>
+        </p:nvPicPr>
+        <p:blipFill>
+          <a:blip r:embed="rId3"/>
+          <a:stretch>
+            <a:fillRect/>
+          </a:stretch>
+        </p:blipFill>
+        <p:spPr>
+          <a:xfrm>
+            <a:off x="2700185" y="1663336"/>
+            <a:ext cx="6944030" cy="4776651"/>
+          </a:xfrm>
+          <a:prstGeom prst="rect">
+            <a:avLst/>
+          </a:prstGeom>
+        </p:spPr>
+      </p:pic>
+    </p:spTree>
+    <p:extLst>
+      <p:ext uri="{BB962C8B-B14F-4D97-AF65-F5344CB8AC3E}">
+        <p14:creationId xmlns:p14="http://schemas.microsoft.com/office/powerpoint/2010/main" val="1392509669"/>
+      </p:ext>
+    </p:extLst>
+  </p:cSld>
+  <p:clrMapOvr>
+    <a:masterClrMapping/>
+  </p:clrMapOvr>
+</p:sld>
+</file>
+
+<file path=ppt/slides/slide31.xml><?xml version="1.0" encoding="utf-8"?>
+<p:sld xmlns:a="http://schemas.openxmlformats.org/drawingml/2006/main" xmlns:r="http://schemas.openxmlformats.org/officeDocument/2006/relationships" xmlns:p="http://schemas.openxmlformats.org/presentationml/2006/main">
+  <p:cSld>
+    <p:spTree>
+      <p:nvGrpSpPr>
+        <p:cNvPr id="1" name=""/>
+        <p:cNvGrpSpPr/>
+        <p:nvPr/>
+      </p:nvGrpSpPr>
+      <p:grpSpPr>
+        <a:xfrm>
+          <a:off x="0" y="0"/>
+          <a:ext cx="0" cy="0"/>
+          <a:chOff x="0" y="0"/>
+          <a:chExt cx="0" cy="0"/>
+        </a:xfrm>
+      </p:grpSpPr>
+      <p:pic>
+        <p:nvPicPr>
+          <p:cNvPr id="42" name="图片 41"/>
+          <p:cNvPicPr>
+            <a:picLocks noChangeAspect="1"/>
+          </p:cNvPicPr>
+          <p:nvPr/>
+        </p:nvPicPr>
+        <p:blipFill>
+          <a:blip r:embed="rId2">
+            <a:extLst>
+              <a:ext uri="{28A0092B-C50C-407E-A947-70E740481C1C}">
+                <a14:useLocalDpi xmlns:a14="http://schemas.microsoft.com/office/drawing/2010/main"/>
+              </a:ext>
+            </a:extLst>
+          </a:blip>
+          <a:stretch>
+            <a:fillRect/>
+          </a:stretch>
+        </p:blipFill>
+        <p:spPr>
+          <a:xfrm>
+            <a:off x="2986770" y="2081667"/>
+            <a:ext cx="6218459" cy="2694666"/>
+          </a:xfrm>
+          <a:prstGeom prst="rect">
+            <a:avLst/>
+          </a:prstGeom>
+        </p:spPr>
+      </p:pic>
+    </p:spTree>
+    <p:extLst>
+      <p:ext uri="{BB962C8B-B14F-4D97-AF65-F5344CB8AC3E}">
+        <p14:creationId xmlns:p14="http://schemas.microsoft.com/office/powerpoint/2010/main" val="1738309105"/>
       </p:ext>
     </p:extLst>
   </p:cSld>
@@ -19303,7 +19733,7 @@
               <a:buChar char="•"/>
             </a:pPr>
             <a:r>
-              <a:rPr lang="zh-CN" altLang="en-US" b="1" dirty="0"/>
+              <a:rPr lang="zh-CN" altLang="en-US" dirty="0"/>
               <a:t>数据预处理</a:t>
             </a:r>
           </a:p>
@@ -19375,7 +19805,7 @@
               <a:buChar char="•"/>
             </a:pPr>
             <a:r>
-              <a:rPr lang="zh-CN" altLang="en-US" b="1" dirty="0"/>
+              <a:rPr lang="zh-CN" altLang="en-US" dirty="0"/>
               <a:t>特征工程</a:t>
             </a:r>
           </a:p>
@@ -19539,12 +19969,12 @@
           </a:bodyPr>
           <a:lstStyle/>
           <a:p>
-            <a:pPr marL="285750" indent="-285750">
+            <a:pPr indent="-285750">
               <a:buFont typeface="Arial" panose="020B0604020202020204" pitchFamily="34" charset="0"/>
               <a:buChar char="•"/>
             </a:pPr>
             <a:r>
-              <a:rPr lang="zh-CN" altLang="en-US" b="1" dirty="0"/>
+              <a:rPr lang="zh-CN" altLang="en-US" dirty="0"/>
               <a:t>模型训练与评估</a:t>
             </a:r>
           </a:p>
@@ -19657,12 +20087,12 @@
             </a:r>
           </a:p>
           <a:p>
-            <a:pPr marL="285750" indent="-285750">
+            <a:pPr indent="-285750">
               <a:buFont typeface="Arial" panose="020B0604020202020204" pitchFamily="34" charset="0"/>
               <a:buChar char="•"/>
             </a:pPr>
             <a:r>
-              <a:rPr lang="zh-CN" altLang="en-US" b="1" dirty="0"/>
+              <a:rPr lang="zh-CN" altLang="en-US" dirty="0"/>
               <a:t>模型融合</a:t>
             </a:r>
           </a:p>
@@ -19814,7 +20244,7 @@
               </a:lnSpc>
             </a:pPr>
             <a:r>
-              <a:rPr lang="zh-CN" altLang="en-US" sz="2800" b="1" dirty="0">
+              <a:rPr lang="zh-CN" altLang="en-US" sz="2800" dirty="0">
                 <a:solidFill>
                   <a:schemeClr val="tx1"/>
                 </a:solidFill>
@@ -19917,7 +20347,7 @@
               </a:lnSpc>
             </a:pPr>
             <a:r>
-              <a:rPr lang="zh-CN" altLang="en-US" sz="2800" b="1" dirty="0">
+              <a:rPr lang="zh-CN" altLang="en-US" sz="2800" dirty="0">
                 <a:solidFill>
                   <a:schemeClr val="tx1"/>
                 </a:solidFill>
@@ -20278,7 +20708,7 @@
               <a:tabLst/>
             </a:pPr>
             <a:r>
-              <a:rPr lang="zh-CN" altLang="zh-CN" sz="2800" b="1" dirty="0">
+              <a:rPr lang="zh-CN" altLang="zh-CN" sz="2800" dirty="0">
                 <a:solidFill>
                   <a:schemeClr val="tx1"/>
                 </a:solidFill>
@@ -20732,7 +21162,7 @@
           </a:bodyPr>
           <a:lstStyle/>
           <a:p>
-            <a:pPr marL="0" marR="0" lvl="0" indent="0" eaLnBrk="0" fontAlgn="base" hangingPunct="0">
+            <a:pPr marL="0" indent="0" eaLnBrk="0" fontAlgn="base" hangingPunct="0">
               <a:lnSpc>
                 <a:spcPct val="100000"/>
               </a:lnSpc>
@@ -20742,13 +21172,10 @@
               <a:spcAft>
                 <a:spcPct val="0"/>
               </a:spcAft>
-              <a:buClrTx/>
-              <a:buSzTx/>
               <a:buNone/>
-              <a:tabLst/>
             </a:pPr>
             <a:r>
-              <a:rPr lang="zh-CN" altLang="zh-CN" sz="2800" b="1" dirty="0">
+              <a:rPr lang="zh-CN" altLang="zh-CN" sz="2800" dirty="0">
                 <a:solidFill>
                   <a:schemeClr val="tx1"/>
                 </a:solidFill>
@@ -20756,7 +21183,7 @@
               </a:rPr>
               <a:t>数据加载与初步探索</a:t>
             </a:r>
-            <a:endParaRPr lang="en-US" altLang="zh-CN" sz="2800" b="1" dirty="0">
+            <a:endParaRPr lang="en-US" altLang="zh-CN" sz="2800" dirty="0">
               <a:solidFill>
                 <a:schemeClr val="tx1"/>
               </a:solidFill>
